--- a/thesis/abs/SLIDE_BAO_CAO.pptx
+++ b/thesis/abs/SLIDE_BAO_CAO.pptx
@@ -23388,8 +23388,8 @@
         </p:nvSpPr>
         <p:spPr>
           <a:xfrm>
-            <a:off x="1018896" y="2870058"/>
-            <a:ext cx="5232000" cy="747756"/>
+            <a:off x="3150675" y="2831827"/>
+            <a:ext cx="3646802" cy="778062"/>
           </a:xfrm>
           <a:prstGeom prst="rect">
             <a:avLst/>
@@ -23411,29 +23411,65 @@
               <a:buNone/>
             </a:pPr>
             <a:r>
-              <a:rPr lang="vi-VN" sz="1800">
+              <a:rPr lang="en-US">
                 <a:latin typeface="Arial" panose="020B0604020202020204" pitchFamily="34" charset="0"/>
               </a:rPr>
-              <a:t>Giáo viên </a:t>
+              <a:t>Sinh viên thực hiện</a:t>
             </a:r>
             <a:r>
-              <a:rPr lang="en-US" sz="1800">
-                <a:latin typeface="Arial" panose="020B0604020202020204" pitchFamily="34" charset="0"/>
-              </a:rPr>
-              <a:t>hướng dẫn</a:t>
-            </a:r>
-            <a:r>
-              <a:rPr lang="vi-VN" sz="1800">
+              <a:rPr lang="vi-VN">
                 <a:latin typeface="Arial" panose="020B0604020202020204" pitchFamily="34" charset="0"/>
               </a:rPr>
               <a:t>: </a:t>
             </a:r>
+            <a:endParaRPr lang="en-US">
+              <a:latin typeface="Arial" panose="020B0604020202020204" pitchFamily="34" charset="0"/>
+            </a:endParaRPr>
+          </a:p>
+          <a:p>
+            <a:pPr marL="0" lvl="0" indent="0" algn="ctr" rtl="0">
+              <a:spcBef>
+                <a:spcPts val="0"/>
+              </a:spcBef>
+              <a:spcAft>
+                <a:spcPts val="0"/>
+              </a:spcAft>
+              <a:buNone/>
+            </a:pPr>
             <a:r>
-              <a:rPr lang="en-US" sz="1800">
+              <a:rPr lang="en-US">
                 <a:latin typeface="Arial" panose="020B0604020202020204" pitchFamily="34" charset="0"/>
               </a:rPr>
-              <a:t>ThS Đoàn Phước Miền</a:t>
+              <a:t>Lâm Ngọc Triệu-110121067</a:t>
             </a:r>
+          </a:p>
+          <a:p>
+            <a:pPr marL="0" lvl="0" indent="0" algn="ctr" rtl="0">
+              <a:spcBef>
+                <a:spcPts val="0"/>
+              </a:spcBef>
+              <a:spcAft>
+                <a:spcPts val="0"/>
+              </a:spcAft>
+              <a:buNone/>
+            </a:pPr>
+            <a:r>
+              <a:rPr lang="en-US">
+                <a:latin typeface="Arial" panose="020B0604020202020204" pitchFamily="34" charset="0"/>
+              </a:rPr>
+              <a:t>DA21TTA</a:t>
+            </a:r>
+          </a:p>
+          <a:p>
+            <a:pPr marL="0" lvl="0" indent="0" algn="ctr" rtl="0">
+              <a:spcBef>
+                <a:spcPts val="0"/>
+              </a:spcBef>
+              <a:spcAft>
+                <a:spcPts val="0"/>
+              </a:spcAft>
+              <a:buNone/>
+            </a:pPr>
             <a:endParaRPr sz="1800">
               <a:latin typeface="Arial" panose="020B0604020202020204" pitchFamily="34" charset="0"/>
             </a:endParaRPr>
@@ -24514,6 +24550,295 @@
               <a:cs typeface="Arial" panose="020B0604020202020204" pitchFamily="34" charset="0"/>
               <a:sym typeface="DM Sans"/>
             </a:endParaRPr>
+          </a:p>
+        </p:txBody>
+      </p:sp>
+      <p:sp>
+        <p:nvSpPr>
+          <p:cNvPr id="2" name="Google Shape;676;p33">
+            <a:extLst>
+              <a:ext uri="{FF2B5EF4-FFF2-40B4-BE49-F238E27FC236}">
+                <a16:creationId xmlns:a16="http://schemas.microsoft.com/office/drawing/2014/main" id="{7AE04C60-D2DE-BE3A-5CAC-B47588BB53AA}"/>
+              </a:ext>
+            </a:extLst>
+          </p:cNvPr>
+          <p:cNvSpPr txBox="1">
+            <a:spLocks/>
+          </p:cNvSpPr>
+          <p:nvPr/>
+        </p:nvSpPr>
+        <p:spPr>
+          <a:xfrm>
+            <a:off x="743643" y="2862133"/>
+            <a:ext cx="2891253" cy="747756"/>
+          </a:xfrm>
+          <a:prstGeom prst="rect">
+            <a:avLst/>
+          </a:prstGeom>
+          <a:noFill/>
+          <a:ln>
+            <a:noFill/>
+          </a:ln>
+        </p:spPr>
+        <p:txBody>
+          <a:bodyPr spcFirstLastPara="1" wrap="square" lIns="91425" tIns="91425" rIns="91425" bIns="91425" anchor="t" anchorCtr="0">
+            <a:noAutofit/>
+          </a:bodyPr>
+          <a:lstStyle>
+            <a:defPPr marR="0" lvl="0" algn="l" rtl="0">
+              <a:lnSpc>
+                <a:spcPct val="100000"/>
+              </a:lnSpc>
+              <a:spcBef>
+                <a:spcPts val="0"/>
+              </a:spcBef>
+              <a:spcAft>
+                <a:spcPts val="0"/>
+              </a:spcAft>
+            </a:defPPr>
+            <a:lvl1pPr marL="457200" marR="0" lvl="0" indent="-317500" algn="ctr" rtl="0">
+              <a:lnSpc>
+                <a:spcPct val="100000"/>
+              </a:lnSpc>
+              <a:spcBef>
+                <a:spcPts val="0"/>
+              </a:spcBef>
+              <a:spcAft>
+                <a:spcPts val="0"/>
+              </a:spcAft>
+              <a:buClr>
+                <a:schemeClr val="dk1"/>
+              </a:buClr>
+              <a:buSzPts val="1400"/>
+              <a:buFont typeface="DM Sans"/>
+              <a:buNone/>
+              <a:defRPr sz="1600" b="0" i="0" u="none" strike="noStrike" cap="none">
+                <a:solidFill>
+                  <a:schemeClr val="dk1"/>
+                </a:solidFill>
+                <a:latin typeface="DM Sans"/>
+                <a:ea typeface="DM Sans"/>
+                <a:cs typeface="DM Sans"/>
+                <a:sym typeface="DM Sans"/>
+              </a:defRPr>
+            </a:lvl1pPr>
+            <a:lvl2pPr marL="914400" marR="0" lvl="1" indent="-317500" algn="ctr" rtl="0">
+              <a:lnSpc>
+                <a:spcPct val="100000"/>
+              </a:lnSpc>
+              <a:spcBef>
+                <a:spcPts val="0"/>
+              </a:spcBef>
+              <a:spcAft>
+                <a:spcPts val="0"/>
+              </a:spcAft>
+              <a:buClr>
+                <a:schemeClr val="dk1"/>
+              </a:buClr>
+              <a:buSzPts val="1800"/>
+              <a:buFont typeface="DM Sans"/>
+              <a:buNone/>
+              <a:defRPr sz="1800" b="0" i="0" u="none" strike="noStrike" cap="none">
+                <a:solidFill>
+                  <a:schemeClr val="dk1"/>
+                </a:solidFill>
+                <a:latin typeface="DM Sans"/>
+                <a:ea typeface="DM Sans"/>
+                <a:cs typeface="DM Sans"/>
+                <a:sym typeface="DM Sans"/>
+              </a:defRPr>
+            </a:lvl2pPr>
+            <a:lvl3pPr marL="1371600" marR="0" lvl="2" indent="-317500" algn="ctr" rtl="0">
+              <a:lnSpc>
+                <a:spcPct val="100000"/>
+              </a:lnSpc>
+              <a:spcBef>
+                <a:spcPts val="0"/>
+              </a:spcBef>
+              <a:spcAft>
+                <a:spcPts val="0"/>
+              </a:spcAft>
+              <a:buClr>
+                <a:schemeClr val="dk1"/>
+              </a:buClr>
+              <a:buSzPts val="1800"/>
+              <a:buFont typeface="DM Sans"/>
+              <a:buNone/>
+              <a:defRPr sz="1800" b="0" i="0" u="none" strike="noStrike" cap="none">
+                <a:solidFill>
+                  <a:schemeClr val="dk1"/>
+                </a:solidFill>
+                <a:latin typeface="DM Sans"/>
+                <a:ea typeface="DM Sans"/>
+                <a:cs typeface="DM Sans"/>
+                <a:sym typeface="DM Sans"/>
+              </a:defRPr>
+            </a:lvl3pPr>
+            <a:lvl4pPr marL="1828800" marR="0" lvl="3" indent="-317500" algn="ctr" rtl="0">
+              <a:lnSpc>
+                <a:spcPct val="100000"/>
+              </a:lnSpc>
+              <a:spcBef>
+                <a:spcPts val="0"/>
+              </a:spcBef>
+              <a:spcAft>
+                <a:spcPts val="0"/>
+              </a:spcAft>
+              <a:buClr>
+                <a:schemeClr val="dk1"/>
+              </a:buClr>
+              <a:buSzPts val="1800"/>
+              <a:buFont typeface="DM Sans"/>
+              <a:buNone/>
+              <a:defRPr sz="1800" b="0" i="0" u="none" strike="noStrike" cap="none">
+                <a:solidFill>
+                  <a:schemeClr val="dk1"/>
+                </a:solidFill>
+                <a:latin typeface="DM Sans"/>
+                <a:ea typeface="DM Sans"/>
+                <a:cs typeface="DM Sans"/>
+                <a:sym typeface="DM Sans"/>
+              </a:defRPr>
+            </a:lvl4pPr>
+            <a:lvl5pPr marL="2286000" marR="0" lvl="4" indent="-317500" algn="ctr" rtl="0">
+              <a:lnSpc>
+                <a:spcPct val="100000"/>
+              </a:lnSpc>
+              <a:spcBef>
+                <a:spcPts val="0"/>
+              </a:spcBef>
+              <a:spcAft>
+                <a:spcPts val="0"/>
+              </a:spcAft>
+              <a:buClr>
+                <a:schemeClr val="dk1"/>
+              </a:buClr>
+              <a:buSzPts val="1800"/>
+              <a:buFont typeface="DM Sans"/>
+              <a:buNone/>
+              <a:defRPr sz="1800" b="0" i="0" u="none" strike="noStrike" cap="none">
+                <a:solidFill>
+                  <a:schemeClr val="dk1"/>
+                </a:solidFill>
+                <a:latin typeface="DM Sans"/>
+                <a:ea typeface="DM Sans"/>
+                <a:cs typeface="DM Sans"/>
+                <a:sym typeface="DM Sans"/>
+              </a:defRPr>
+            </a:lvl5pPr>
+            <a:lvl6pPr marL="2743200" marR="0" lvl="5" indent="-317500" algn="ctr" rtl="0">
+              <a:lnSpc>
+                <a:spcPct val="100000"/>
+              </a:lnSpc>
+              <a:spcBef>
+                <a:spcPts val="0"/>
+              </a:spcBef>
+              <a:spcAft>
+                <a:spcPts val="0"/>
+              </a:spcAft>
+              <a:buClr>
+                <a:schemeClr val="dk1"/>
+              </a:buClr>
+              <a:buSzPts val="1800"/>
+              <a:buFont typeface="DM Sans"/>
+              <a:buNone/>
+              <a:defRPr sz="1800" b="0" i="0" u="none" strike="noStrike" cap="none">
+                <a:solidFill>
+                  <a:schemeClr val="dk1"/>
+                </a:solidFill>
+                <a:latin typeface="DM Sans"/>
+                <a:ea typeface="DM Sans"/>
+                <a:cs typeface="DM Sans"/>
+                <a:sym typeface="DM Sans"/>
+              </a:defRPr>
+            </a:lvl6pPr>
+            <a:lvl7pPr marL="3200400" marR="0" lvl="6" indent="-317500" algn="ctr" rtl="0">
+              <a:lnSpc>
+                <a:spcPct val="100000"/>
+              </a:lnSpc>
+              <a:spcBef>
+                <a:spcPts val="0"/>
+              </a:spcBef>
+              <a:spcAft>
+                <a:spcPts val="0"/>
+              </a:spcAft>
+              <a:buClr>
+                <a:schemeClr val="dk1"/>
+              </a:buClr>
+              <a:buSzPts val="1800"/>
+              <a:buFont typeface="DM Sans"/>
+              <a:buNone/>
+              <a:defRPr sz="1800" b="0" i="0" u="none" strike="noStrike" cap="none">
+                <a:solidFill>
+                  <a:schemeClr val="dk1"/>
+                </a:solidFill>
+                <a:latin typeface="DM Sans"/>
+                <a:ea typeface="DM Sans"/>
+                <a:cs typeface="DM Sans"/>
+                <a:sym typeface="DM Sans"/>
+              </a:defRPr>
+            </a:lvl7pPr>
+            <a:lvl8pPr marL="3657600" marR="0" lvl="7" indent="-317500" algn="ctr" rtl="0">
+              <a:lnSpc>
+                <a:spcPct val="100000"/>
+              </a:lnSpc>
+              <a:spcBef>
+                <a:spcPts val="0"/>
+              </a:spcBef>
+              <a:spcAft>
+                <a:spcPts val="0"/>
+              </a:spcAft>
+              <a:buClr>
+                <a:schemeClr val="dk1"/>
+              </a:buClr>
+              <a:buSzPts val="1800"/>
+              <a:buFont typeface="DM Sans"/>
+              <a:buNone/>
+              <a:defRPr sz="1800" b="0" i="0" u="none" strike="noStrike" cap="none">
+                <a:solidFill>
+                  <a:schemeClr val="dk1"/>
+                </a:solidFill>
+                <a:latin typeface="DM Sans"/>
+                <a:ea typeface="DM Sans"/>
+                <a:cs typeface="DM Sans"/>
+                <a:sym typeface="DM Sans"/>
+              </a:defRPr>
+            </a:lvl8pPr>
+            <a:lvl9pPr marL="4114800" marR="0" lvl="8" indent="-317500" algn="ctr" rtl="0">
+              <a:lnSpc>
+                <a:spcPct val="100000"/>
+              </a:lnSpc>
+              <a:spcBef>
+                <a:spcPts val="0"/>
+              </a:spcBef>
+              <a:spcAft>
+                <a:spcPts val="0"/>
+              </a:spcAft>
+              <a:buClr>
+                <a:schemeClr val="dk1"/>
+              </a:buClr>
+              <a:buSzPts val="1800"/>
+              <a:buFont typeface="DM Sans"/>
+              <a:buNone/>
+              <a:defRPr sz="1800" b="0" i="0" u="none" strike="noStrike" cap="none">
+                <a:solidFill>
+                  <a:schemeClr val="dk1"/>
+                </a:solidFill>
+                <a:latin typeface="DM Sans"/>
+                <a:ea typeface="DM Sans"/>
+                <a:cs typeface="DM Sans"/>
+                <a:sym typeface="DM Sans"/>
+              </a:defRPr>
+            </a:lvl9pPr>
+          </a:lstStyle>
+          <a:p>
+            <a:pPr marL="0" indent="0"/>
+            <a:r>
+              <a:rPr lang="vi-VN">
+                <a:latin typeface="Arial" panose="020B0604020202020204" pitchFamily="34" charset="0"/>
+              </a:rPr>
+              <a:t>Giáo viên hướng dẫn: ThS Đoàn Phước Miền</a:t>
+            </a:r>
           </a:p>
         </p:txBody>
       </p:sp>
